--- a/RAG Project.pptx
+++ b/RAG Project.pptx
@@ -259,7 +259,7 @@
   </p:defaultTextStyle>
   <p:extLst>
     <p:ext uri="GoogleSlidesCustomDataVersion2">
-      <go:slidesCustomData xmlns:go="http://customooxmlschemas.google.com/" r:id="rId17" roundtripDataSignature="AMtx7mglDbQEzdfUlwDJslA3DN+HaGnoxQ=="/>
+      <go:slidesCustomData xmlns:go="http://customooxmlschemas.google.com/" r:id="rId17" roundtripDataSignature="AMtx7mj8hLS6Pp+P9IFub6mRDtOmnAl3eg=="/>
     </p:ext>
   </p:extLst>
 </p:presentation>
@@ -1595,7 +1595,7 @@
   <p:cSld>
     <p:spTree>
       <p:nvGrpSpPr>
-        <p:cNvPr id="164" name="Shape 164"/>
+        <p:cNvPr id="165" name="Shape 165"/>
         <p:cNvGrpSpPr/>
         <p:nvPr/>
       </p:nvGrpSpPr>
@@ -1609,7 +1609,7 @@
       </p:grpSpPr>
       <p:sp>
         <p:nvSpPr>
-          <p:cNvPr id="165" name="Google Shape;165;p7:notes"/>
+          <p:cNvPr id="166" name="Google Shape;166;p7:notes"/>
           <p:cNvSpPr/>
           <p:nvPr>
             <p:ph idx="2" type="sldImg"/>
@@ -1654,7 +1654,7 @@
       </p:sp>
       <p:sp>
         <p:nvSpPr>
-          <p:cNvPr id="166" name="Google Shape;166;p7:notes"/>
+          <p:cNvPr id="167" name="Google Shape;167;p7:notes"/>
           <p:cNvSpPr txBox="1"/>
           <p:nvPr>
             <p:ph idx="1" type="body"/>
@@ -1697,7 +1697,7 @@
       </p:sp>
       <p:sp>
         <p:nvSpPr>
-          <p:cNvPr id="167" name="Google Shape;167;p7:notes"/>
+          <p:cNvPr id="168" name="Google Shape;168;p7:notes"/>
           <p:cNvSpPr txBox="1"/>
           <p:nvPr>
             <p:ph idx="12" type="sldNum"/>
@@ -13203,7 +13203,7 @@
     </p:bg>
     <p:spTree>
       <p:nvGrpSpPr>
-        <p:cNvPr id="168" name="Shape 168"/>
+        <p:cNvPr id="169" name="Shape 169"/>
         <p:cNvGrpSpPr/>
         <p:nvPr/>
       </p:nvGrpSpPr>
@@ -13217,7 +13217,7 @@
       </p:grpSpPr>
       <p:sp>
         <p:nvSpPr>
-          <p:cNvPr id="169" name="Google Shape;169;p7"/>
+          <p:cNvPr id="170" name="Google Shape;170;p7"/>
           <p:cNvSpPr/>
           <p:nvPr/>
         </p:nvSpPr>
@@ -13268,7 +13268,7 @@
       </p:sp>
       <p:sp>
         <p:nvSpPr>
-          <p:cNvPr id="170" name="Google Shape;170;p7"/>
+          <p:cNvPr id="171" name="Google Shape;171;p7"/>
           <p:cNvSpPr/>
           <p:nvPr/>
         </p:nvSpPr>
@@ -13319,7 +13319,7 @@
       </p:sp>
       <p:grpSp>
         <p:nvGrpSpPr>
-          <p:cNvPr id="171" name="Google Shape;171;p7"/>
+          <p:cNvPr id="172" name="Google Shape;172;p7"/>
           <p:cNvGrpSpPr/>
           <p:nvPr/>
         </p:nvGrpSpPr>
@@ -13333,7 +13333,7 @@
         </p:grpSpPr>
         <p:sp>
           <p:nvSpPr>
-            <p:cNvPr id="172" name="Google Shape;172;p7"/>
+            <p:cNvPr id="173" name="Google Shape;173;p7"/>
             <p:cNvSpPr/>
             <p:nvPr/>
           </p:nvSpPr>
@@ -13384,7 +13384,7 @@
         </p:sp>
         <p:sp>
           <p:nvSpPr>
-            <p:cNvPr id="173" name="Google Shape;173;p7"/>
+            <p:cNvPr id="174" name="Google Shape;174;p7"/>
             <p:cNvSpPr/>
             <p:nvPr/>
           </p:nvSpPr>
@@ -13435,7 +13435,7 @@
         </p:sp>
         <p:sp>
           <p:nvSpPr>
-            <p:cNvPr id="174" name="Google Shape;174;p7"/>
+            <p:cNvPr id="175" name="Google Shape;175;p7"/>
             <p:cNvSpPr/>
             <p:nvPr/>
           </p:nvSpPr>
@@ -13487,7 +13487,7 @@
       </p:grpSp>
       <p:sp>
         <p:nvSpPr>
-          <p:cNvPr id="175" name="Google Shape;175;p7"/>
+          <p:cNvPr id="176" name="Google Shape;176;p7"/>
           <p:cNvSpPr txBox="1"/>
           <p:nvPr>
             <p:ph type="ctrTitle"/>
@@ -13540,7 +13540,7 @@
       </p:sp>
       <p:sp>
         <p:nvSpPr>
-          <p:cNvPr id="176" name="Google Shape;176;p7"/>
+          <p:cNvPr id="177" name="Google Shape;177;p7"/>
           <p:cNvSpPr txBox="1"/>
           <p:nvPr>
             <p:ph idx="1" type="subTitle"/>
@@ -13654,7 +13654,7 @@
       </p:sp>
       <p:pic>
         <p:nvPicPr>
-          <p:cNvPr descr="Digital Numbers" id="177" name="Google Shape;177;p7"/>
+          <p:cNvPr descr="Digital Numbers" id="178" name="Google Shape;178;p7"/>
           <p:cNvPicPr preferRelativeResize="0"/>
           <p:nvPr/>
         </p:nvPicPr>
@@ -14018,7 +14018,7 @@
             </a:pPr>
             <a:r>
               <a:rPr lang="en-US"/>
-              <a:t>ETL</a:t>
+              <a:t>Extract-Tranform-Loading (ETL)</a:t>
             </a:r>
             <a:endParaRPr/>
           </a:p>
@@ -14862,8 +14862,8 @@
         </p:blipFill>
         <p:spPr>
           <a:xfrm>
-            <a:off x="1252450" y="2109350"/>
-            <a:ext cx="5524000" cy="4452626"/>
+            <a:off x="974900" y="2109350"/>
+            <a:ext cx="4976113" cy="4011000"/>
           </a:xfrm>
           <a:prstGeom prst="rect">
             <a:avLst/>
@@ -14882,8 +14882,8 @@
         </p:nvSpPr>
         <p:spPr>
           <a:xfrm>
-            <a:off x="7340500" y="2560500"/>
-            <a:ext cx="3885600" cy="1975200"/>
+            <a:off x="7027125" y="2204800"/>
+            <a:ext cx="4252800" cy="4011000"/>
           </a:xfrm>
           <a:prstGeom prst="rect">
             <a:avLst/>
@@ -14909,7 +14909,7 @@
               <a:buNone/>
             </a:pPr>
             <a:r>
-              <a:rPr lang="en-US" sz="2200">
+              <a:rPr lang="en-US" sz="2000">
                 <a:solidFill>
                   <a:schemeClr val="dk2"/>
                 </a:solidFill>
@@ -14920,7 +14920,7 @@
               </a:rPr>
               <a:t>Implementation</a:t>
             </a:r>
-            <a:endParaRPr sz="2200">
+            <a:endParaRPr sz="2000">
               <a:solidFill>
                 <a:schemeClr val="dk2"/>
               </a:solidFill>
@@ -14931,7 +14931,7 @@
             </a:endParaRPr>
           </a:p>
           <a:p>
-            <a:pPr indent="-368300" lvl="0" marL="457200" rtl="0" algn="l">
+            <a:pPr indent="-355600" lvl="0" marL="457200" rtl="0" algn="l">
               <a:spcBef>
                 <a:spcPts val="1000"/>
               </a:spcBef>
@@ -14941,12 +14941,12 @@
               <a:buClr>
                 <a:schemeClr val="dk2"/>
               </a:buClr>
-              <a:buSzPts val="2200"/>
+              <a:buSzPts val="2000"/>
               <a:buFont typeface="Gill Sans"/>
               <a:buChar char="●"/>
             </a:pPr>
             <a:r>
-              <a:rPr lang="en-US" sz="2200">
+              <a:rPr lang="en-US" sz="2000">
                 <a:solidFill>
                   <a:schemeClr val="dk2"/>
                 </a:solidFill>
@@ -14955,9 +14955,9 @@
                 <a:cs typeface="Gill Sans"/>
                 <a:sym typeface="Gill Sans"/>
               </a:rPr>
-              <a:t>Linode Cloud Service (VM)</a:t>
+              <a:t>Linode Cloud Service</a:t>
             </a:r>
-            <a:endParaRPr sz="2200">
+            <a:endParaRPr sz="2000">
               <a:solidFill>
                 <a:schemeClr val="dk2"/>
               </a:solidFill>
@@ -14968,7 +14968,7 @@
             </a:endParaRPr>
           </a:p>
           <a:p>
-            <a:pPr indent="-368300" lvl="0" marL="457200" rtl="0" algn="l">
+            <a:pPr indent="-355600" lvl="0" marL="457200" rtl="0" algn="l">
               <a:spcBef>
                 <a:spcPts val="0"/>
               </a:spcBef>
@@ -14978,12 +14978,12 @@
               <a:buClr>
                 <a:schemeClr val="dk2"/>
               </a:buClr>
-              <a:buSzPts val="2200"/>
+              <a:buSzPts val="2000"/>
               <a:buFont typeface="Gill Sans"/>
               <a:buChar char="●"/>
             </a:pPr>
             <a:r>
-              <a:rPr lang="en-US" sz="2200">
+              <a:rPr lang="en-US" sz="2000">
                 <a:solidFill>
                   <a:schemeClr val="dk2"/>
                 </a:solidFill>
@@ -14992,9 +14992,9 @@
                 <a:cs typeface="Gill Sans"/>
                 <a:sym typeface="Gill Sans"/>
               </a:rPr>
-              <a:t>Flask (back-end)</a:t>
+              <a:t>Ubuntu 24.0 Server OS</a:t>
             </a:r>
-            <a:endParaRPr sz="2200">
+            <a:endParaRPr sz="2000">
               <a:solidFill>
                 <a:schemeClr val="dk2"/>
               </a:solidFill>
@@ -15005,7 +15005,7 @@
             </a:endParaRPr>
           </a:p>
           <a:p>
-            <a:pPr indent="-368300" lvl="0" marL="457200" rtl="0" algn="l">
+            <a:pPr indent="-355600" lvl="0" marL="457200" rtl="0" algn="l">
               <a:spcBef>
                 <a:spcPts val="0"/>
               </a:spcBef>
@@ -15015,12 +15015,12 @@
               <a:buClr>
                 <a:schemeClr val="dk2"/>
               </a:buClr>
-              <a:buSzPts val="2200"/>
+              <a:buSzPts val="2000"/>
               <a:buFont typeface="Gill Sans"/>
               <a:buChar char="●"/>
             </a:pPr>
             <a:r>
-              <a:rPr lang="en-US" sz="2200">
+              <a:rPr lang="en-US" sz="2000">
                 <a:solidFill>
                   <a:schemeClr val="dk2"/>
                 </a:solidFill>
@@ -15029,9 +15029,9 @@
                 <a:cs typeface="Gill Sans"/>
                 <a:sym typeface="Gill Sans"/>
               </a:rPr>
-              <a:t>Flask-Template (front-end)</a:t>
+              <a:t>Back-end: Flask (API) + NGINX</a:t>
             </a:r>
-            <a:endParaRPr sz="2200">
+            <a:endParaRPr sz="2000">
               <a:solidFill>
                 <a:schemeClr val="dk2"/>
               </a:solidFill>
@@ -15039,6 +15039,321 @@
               <a:ea typeface="Gill Sans"/>
               <a:cs typeface="Gill Sans"/>
               <a:sym typeface="Gill Sans"/>
+            </a:endParaRPr>
+          </a:p>
+          <a:p>
+            <a:pPr indent="-355600" lvl="0" marL="457200" rtl="0" algn="l">
+              <a:spcBef>
+                <a:spcPts val="0"/>
+              </a:spcBef>
+              <a:spcAft>
+                <a:spcPts val="0"/>
+              </a:spcAft>
+              <a:buClr>
+                <a:schemeClr val="dk2"/>
+              </a:buClr>
+              <a:buSzPts val="2000"/>
+              <a:buFont typeface="Gill Sans"/>
+              <a:buChar char="●"/>
+            </a:pPr>
+            <a:r>
+              <a:rPr lang="en-US" sz="2000">
+                <a:solidFill>
+                  <a:schemeClr val="dk2"/>
+                </a:solidFill>
+                <a:latin typeface="Gill Sans"/>
+                <a:ea typeface="Gill Sans"/>
+                <a:cs typeface="Gill Sans"/>
+                <a:sym typeface="Gill Sans"/>
+              </a:rPr>
+              <a:t>Front-end: Flask-Template </a:t>
+            </a:r>
+            <a:endParaRPr sz="2000">
+              <a:solidFill>
+                <a:schemeClr val="dk2"/>
+              </a:solidFill>
+              <a:latin typeface="Gill Sans"/>
+              <a:ea typeface="Gill Sans"/>
+              <a:cs typeface="Gill Sans"/>
+              <a:sym typeface="Gill Sans"/>
+            </a:endParaRPr>
+          </a:p>
+          <a:p>
+            <a:pPr indent="0" lvl="0" marL="0" rtl="0" algn="l">
+              <a:spcBef>
+                <a:spcPts val="1000"/>
+              </a:spcBef>
+              <a:spcAft>
+                <a:spcPts val="0"/>
+              </a:spcAft>
+              <a:buNone/>
+            </a:pPr>
+            <a:r>
+              <a:rPr lang="en-US" sz="2000">
+                <a:solidFill>
+                  <a:schemeClr val="dk2"/>
+                </a:solidFill>
+                <a:latin typeface="Gill Sans"/>
+                <a:ea typeface="Gill Sans"/>
+                <a:cs typeface="Gill Sans"/>
+                <a:sym typeface="Gill Sans"/>
+              </a:rPr>
+              <a:t>Requirements</a:t>
+            </a:r>
+            <a:endParaRPr sz="2000">
+              <a:solidFill>
+                <a:schemeClr val="dk2"/>
+              </a:solidFill>
+              <a:latin typeface="Gill Sans"/>
+              <a:ea typeface="Gill Sans"/>
+              <a:cs typeface="Gill Sans"/>
+              <a:sym typeface="Gill Sans"/>
+            </a:endParaRPr>
+          </a:p>
+          <a:p>
+            <a:pPr indent="-355600" lvl="0" marL="457200" rtl="0" algn="l">
+              <a:spcBef>
+                <a:spcPts val="0"/>
+              </a:spcBef>
+              <a:spcAft>
+                <a:spcPts val="0"/>
+              </a:spcAft>
+              <a:buClr>
+                <a:schemeClr val="dk2"/>
+              </a:buClr>
+              <a:buSzPts val="2000"/>
+              <a:buFont typeface="Gill Sans"/>
+              <a:buChar char="●"/>
+            </a:pPr>
+            <a:r>
+              <a:rPr lang="en-US" sz="2000">
+                <a:solidFill>
+                  <a:schemeClr val="dk2"/>
+                </a:solidFill>
+                <a:latin typeface="Gill Sans"/>
+                <a:ea typeface="Gill Sans"/>
+                <a:cs typeface="Gill Sans"/>
+                <a:sym typeface="Gill Sans"/>
+              </a:rPr>
+              <a:t>flask 3.1.0</a:t>
+            </a:r>
+            <a:endParaRPr sz="2000">
+              <a:solidFill>
+                <a:schemeClr val="dk2"/>
+              </a:solidFill>
+              <a:latin typeface="Gill Sans"/>
+              <a:ea typeface="Gill Sans"/>
+              <a:cs typeface="Gill Sans"/>
+              <a:sym typeface="Gill Sans"/>
+            </a:endParaRPr>
+          </a:p>
+          <a:p>
+            <a:pPr indent="-355600" lvl="0" marL="457200" rtl="0" algn="l">
+              <a:spcBef>
+                <a:spcPts val="0"/>
+              </a:spcBef>
+              <a:spcAft>
+                <a:spcPts val="0"/>
+              </a:spcAft>
+              <a:buClr>
+                <a:schemeClr val="dk2"/>
+              </a:buClr>
+              <a:buSzPts val="2000"/>
+              <a:buFont typeface="Gill Sans"/>
+              <a:buChar char="●"/>
+            </a:pPr>
+            <a:r>
+              <a:rPr lang="en-US" sz="2000">
+                <a:solidFill>
+                  <a:schemeClr val="dk2"/>
+                </a:solidFill>
+                <a:latin typeface="Gill Sans"/>
+                <a:ea typeface="Gill Sans"/>
+                <a:cs typeface="Gill Sans"/>
+                <a:sym typeface="Gill Sans"/>
+              </a:rPr>
+              <a:t>openai 1.61.1</a:t>
+            </a:r>
+            <a:endParaRPr sz="2000">
+              <a:solidFill>
+                <a:schemeClr val="dk2"/>
+              </a:solidFill>
+              <a:latin typeface="Gill Sans"/>
+              <a:ea typeface="Gill Sans"/>
+              <a:cs typeface="Gill Sans"/>
+              <a:sym typeface="Gill Sans"/>
+            </a:endParaRPr>
+          </a:p>
+          <a:p>
+            <a:pPr indent="-355600" lvl="0" marL="457200" rtl="0" algn="l">
+              <a:spcBef>
+                <a:spcPts val="0"/>
+              </a:spcBef>
+              <a:spcAft>
+                <a:spcPts val="0"/>
+              </a:spcAft>
+              <a:buClr>
+                <a:schemeClr val="dk2"/>
+              </a:buClr>
+              <a:buSzPts val="2000"/>
+              <a:buFont typeface="Gill Sans"/>
+              <a:buChar char="●"/>
+            </a:pPr>
+            <a:r>
+              <a:rPr lang="en-US" sz="2000">
+                <a:solidFill>
+                  <a:schemeClr val="dk2"/>
+                </a:solidFill>
+                <a:latin typeface="Gill Sans"/>
+                <a:ea typeface="Gill Sans"/>
+                <a:cs typeface="Gill Sans"/>
+                <a:sym typeface="Gill Sans"/>
+              </a:rPr>
+              <a:t>langchain_chroma 0.2.1</a:t>
+            </a:r>
+            <a:endParaRPr sz="2000">
+              <a:solidFill>
+                <a:schemeClr val="dk2"/>
+              </a:solidFill>
+              <a:latin typeface="Gill Sans"/>
+              <a:ea typeface="Gill Sans"/>
+              <a:cs typeface="Gill Sans"/>
+              <a:sym typeface="Gill Sans"/>
+            </a:endParaRPr>
+          </a:p>
+          <a:p>
+            <a:pPr indent="-355600" lvl="0" marL="457200" rtl="0" algn="l">
+              <a:spcBef>
+                <a:spcPts val="0"/>
+              </a:spcBef>
+              <a:spcAft>
+                <a:spcPts val="0"/>
+              </a:spcAft>
+              <a:buClr>
+                <a:schemeClr val="dk2"/>
+              </a:buClr>
+              <a:buSzPts val="2000"/>
+              <a:buFont typeface="Gill Sans"/>
+              <a:buChar char="●"/>
+            </a:pPr>
+            <a:r>
+              <a:rPr lang="en-US" sz="2000">
+                <a:solidFill>
+                  <a:schemeClr val="dk2"/>
+                </a:solidFill>
+                <a:latin typeface="Gill Sans"/>
+                <a:ea typeface="Gill Sans"/>
+                <a:cs typeface="Gill Sans"/>
+                <a:sym typeface="Gill Sans"/>
+              </a:rPr>
+              <a:t>langchain_huggingface 0.1.2</a:t>
+            </a:r>
+            <a:endParaRPr sz="2000">
+              <a:solidFill>
+                <a:schemeClr val="dk2"/>
+              </a:solidFill>
+              <a:latin typeface="Gill Sans"/>
+              <a:ea typeface="Gill Sans"/>
+              <a:cs typeface="Gill Sans"/>
+              <a:sym typeface="Gill Sans"/>
+            </a:endParaRPr>
+          </a:p>
+          <a:p>
+            <a:pPr indent="-355600" lvl="0" marL="457200" rtl="0" algn="l">
+              <a:spcBef>
+                <a:spcPts val="0"/>
+              </a:spcBef>
+              <a:spcAft>
+                <a:spcPts val="0"/>
+              </a:spcAft>
+              <a:buClr>
+                <a:schemeClr val="dk2"/>
+              </a:buClr>
+              <a:buSzPts val="2000"/>
+              <a:buFont typeface="Gill Sans"/>
+              <a:buChar char="●"/>
+            </a:pPr>
+            <a:r>
+              <a:rPr lang="en-US" sz="2000">
+                <a:solidFill>
+                  <a:schemeClr val="dk2"/>
+                </a:solidFill>
+                <a:latin typeface="Gill Sans"/>
+                <a:ea typeface="Gill Sans"/>
+                <a:cs typeface="Gill Sans"/>
+                <a:sym typeface="Gill Sans"/>
+              </a:rPr>
+              <a:t>langchain_openai 0.3.4</a:t>
+            </a:r>
+            <a:endParaRPr sz="2000">
+              <a:solidFill>
+                <a:schemeClr val="dk2"/>
+              </a:solidFill>
+              <a:latin typeface="Gill Sans"/>
+              <a:ea typeface="Gill Sans"/>
+              <a:cs typeface="Gill Sans"/>
+              <a:sym typeface="Gill Sans"/>
+            </a:endParaRPr>
+          </a:p>
+        </p:txBody>
+      </p:sp>
+      <p:sp>
+        <p:nvSpPr>
+          <p:cNvPr id="164" name="Google Shape;164;g32dbb5628d1_0_0"/>
+          <p:cNvSpPr txBox="1"/>
+          <p:nvPr/>
+        </p:nvSpPr>
+        <p:spPr>
+          <a:xfrm>
+            <a:off x="974900" y="6120350"/>
+            <a:ext cx="4976100" cy="523200"/>
+          </a:xfrm>
+          <a:prstGeom prst="rect">
+            <a:avLst/>
+          </a:prstGeom>
+          <a:noFill/>
+          <a:ln>
+            <a:noFill/>
+          </a:ln>
+        </p:spPr>
+        <p:txBody>
+          <a:bodyPr anchorCtr="0" anchor="t" bIns="91425" lIns="91425" spcFirstLastPara="1" rIns="91425" wrap="square" tIns="91425">
+            <a:spAutoFit/>
+          </a:bodyPr>
+          <a:lstStyle/>
+          <a:p>
+            <a:pPr indent="0" lvl="0" marL="0" rtl="0" algn="ctr">
+              <a:spcBef>
+                <a:spcPts val="1000"/>
+              </a:spcBef>
+              <a:spcAft>
+                <a:spcPts val="0"/>
+              </a:spcAft>
+              <a:buNone/>
+            </a:pPr>
+            <a:r>
+              <a:rPr lang="en-US" sz="2200" u="sng">
+                <a:solidFill>
+                  <a:srgbClr val="2D58AC"/>
+                </a:solidFill>
+                <a:latin typeface="Gill Sans"/>
+                <a:ea typeface="Gill Sans"/>
+                <a:cs typeface="Gill Sans"/>
+                <a:sym typeface="Gill Sans"/>
+                <a:hlinkClick r:id="rId4">
+                  <a:extLst>
+                    <a:ext uri="{A12FA001-AC4F-418D-AE19-62706E023703}">
+                      <ahyp:hlinkClr val="tx"/>
+                    </a:ext>
+                  </a:extLst>
+                </a:hlinkClick>
+              </a:rPr>
+              <a:t>http://dsmlbootcamp.org</a:t>
+            </a:r>
+            <a:endParaRPr>
+              <a:solidFill>
+                <a:srgbClr val="2D58AC"/>
+              </a:solidFill>
             </a:endParaRPr>
           </a:p>
         </p:txBody>
